--- a/ESN_exp02_BasicESN.pptx
+++ b/ESN_exp02_BasicESN.pptx
@@ -200,7 +200,7 @@
           <a:p>
             <a:fld id="{3AB76ABC-33D1-9C41-94E4-617AD2CE1B7F}" type="datetimeFigureOut">
               <a:rPr lang="de-DE" smtClean="0"/>
-              <a:t>10.02.22</a:t>
+              <a:t>15.02.22</a:t>
             </a:fld>
             <a:endParaRPr lang="de-DE"/>
           </a:p>
@@ -614,7 +614,7 @@
           <a:p>
             <a:fld id="{4A66F40E-0BE7-7441-94CB-0CED3EF25F1E}" type="datetimeFigureOut">
               <a:rPr lang="de-DE" smtClean="0"/>
-              <a:t>10.02.22</a:t>
+              <a:t>15.02.22</a:t>
             </a:fld>
             <a:endParaRPr lang="de-DE"/>
           </a:p>
@@ -812,7 +812,7 @@
           <a:p>
             <a:fld id="{4A66F40E-0BE7-7441-94CB-0CED3EF25F1E}" type="datetimeFigureOut">
               <a:rPr lang="de-DE" smtClean="0"/>
-              <a:t>10.02.22</a:t>
+              <a:t>15.02.22</a:t>
             </a:fld>
             <a:endParaRPr lang="de-DE"/>
           </a:p>
@@ -1020,7 +1020,7 @@
           <a:p>
             <a:fld id="{4A66F40E-0BE7-7441-94CB-0CED3EF25F1E}" type="datetimeFigureOut">
               <a:rPr lang="de-DE" smtClean="0"/>
-              <a:t>10.02.22</a:t>
+              <a:t>15.02.22</a:t>
             </a:fld>
             <a:endParaRPr lang="de-DE"/>
           </a:p>
@@ -1218,7 +1218,7 @@
           <a:p>
             <a:fld id="{4A66F40E-0BE7-7441-94CB-0CED3EF25F1E}" type="datetimeFigureOut">
               <a:rPr lang="de-DE" smtClean="0"/>
-              <a:t>10.02.22</a:t>
+              <a:t>15.02.22</a:t>
             </a:fld>
             <a:endParaRPr lang="de-DE"/>
           </a:p>
@@ -1493,7 +1493,7 @@
           <a:p>
             <a:fld id="{4A66F40E-0BE7-7441-94CB-0CED3EF25F1E}" type="datetimeFigureOut">
               <a:rPr lang="de-DE" smtClean="0"/>
-              <a:t>10.02.22</a:t>
+              <a:t>15.02.22</a:t>
             </a:fld>
             <a:endParaRPr lang="de-DE"/>
           </a:p>
@@ -1758,7 +1758,7 @@
           <a:p>
             <a:fld id="{4A66F40E-0BE7-7441-94CB-0CED3EF25F1E}" type="datetimeFigureOut">
               <a:rPr lang="de-DE" smtClean="0"/>
-              <a:t>10.02.22</a:t>
+              <a:t>15.02.22</a:t>
             </a:fld>
             <a:endParaRPr lang="de-DE"/>
           </a:p>
@@ -2170,7 +2170,7 @@
           <a:p>
             <a:fld id="{4A66F40E-0BE7-7441-94CB-0CED3EF25F1E}" type="datetimeFigureOut">
               <a:rPr lang="de-DE" smtClean="0"/>
-              <a:t>10.02.22</a:t>
+              <a:t>15.02.22</a:t>
             </a:fld>
             <a:endParaRPr lang="de-DE"/>
           </a:p>
@@ -2311,7 +2311,7 @@
           <a:p>
             <a:fld id="{4A66F40E-0BE7-7441-94CB-0CED3EF25F1E}" type="datetimeFigureOut">
               <a:rPr lang="de-DE" smtClean="0"/>
-              <a:t>10.02.22</a:t>
+              <a:t>15.02.22</a:t>
             </a:fld>
             <a:endParaRPr lang="de-DE"/>
           </a:p>
@@ -2424,7 +2424,7 @@
           <a:p>
             <a:fld id="{4A66F40E-0BE7-7441-94CB-0CED3EF25F1E}" type="datetimeFigureOut">
               <a:rPr lang="de-DE" smtClean="0"/>
-              <a:t>10.02.22</a:t>
+              <a:t>15.02.22</a:t>
             </a:fld>
             <a:endParaRPr lang="de-DE"/>
           </a:p>
@@ -2735,7 +2735,7 @@
           <a:p>
             <a:fld id="{4A66F40E-0BE7-7441-94CB-0CED3EF25F1E}" type="datetimeFigureOut">
               <a:rPr lang="de-DE" smtClean="0"/>
-              <a:t>10.02.22</a:t>
+              <a:t>15.02.22</a:t>
             </a:fld>
             <a:endParaRPr lang="de-DE"/>
           </a:p>
@@ -3023,7 +3023,7 @@
           <a:p>
             <a:fld id="{4A66F40E-0BE7-7441-94CB-0CED3EF25F1E}" type="datetimeFigureOut">
               <a:rPr lang="de-DE" smtClean="0"/>
-              <a:t>10.02.22</a:t>
+              <a:t>15.02.22</a:t>
             </a:fld>
             <a:endParaRPr lang="de-DE"/>
           </a:p>
@@ -3264,7 +3264,7 @@
           <a:p>
             <a:fld id="{4A66F40E-0BE7-7441-94CB-0CED3EF25F1E}" type="datetimeFigureOut">
               <a:rPr lang="de-DE" smtClean="0"/>
-              <a:t>10.02.22</a:t>
+              <a:t>15.02.22</a:t>
             </a:fld>
             <a:endParaRPr lang="de-DE"/>
           </a:p>
@@ -3919,7 +3919,7 @@
         <p:spPr>
           <a:xfrm>
             <a:off x="8435083" y="811658"/>
-            <a:ext cx="2722652" cy="2031325"/>
+            <a:ext cx="2722652" cy="3139321"/>
           </a:xfrm>
           <a:prstGeom prst="rect">
             <a:avLst/>
@@ -4055,6 +4055,83 @@
             <a:r>
               <a:rPr lang="de-DE" dirty="0" err="1"/>
               <a:t>frequencies</a:t>
+            </a:r>
+            <a:r>
+              <a:rPr lang="de-DE" dirty="0"/>
+              <a:t>.</a:t>
+            </a:r>
+          </a:p>
+          <a:p>
+            <a:endParaRPr lang="de-DE" dirty="0"/>
+          </a:p>
+          <a:p>
+            <a:r>
+              <a:rPr lang="de-DE" u="sng" dirty="0"/>
+              <a:t>Note</a:t>
+            </a:r>
+            <a:r>
+              <a:rPr lang="de-DE" dirty="0"/>
+              <a:t>: </a:t>
+            </a:r>
+            <a:r>
+              <a:rPr lang="de-DE" dirty="0" err="1"/>
+              <a:t>Took</a:t>
+            </a:r>
+            <a:r>
+              <a:rPr lang="de-DE" dirty="0"/>
+              <a:t> </a:t>
+            </a:r>
+            <a:r>
+              <a:rPr lang="de-DE" dirty="0" err="1"/>
+              <a:t>validation</a:t>
+            </a:r>
+            <a:r>
+              <a:rPr lang="de-DE" dirty="0"/>
+              <a:t> </a:t>
+            </a:r>
+            <a:r>
+              <a:rPr lang="de-DE" dirty="0" err="1"/>
+              <a:t>samples</a:t>
+            </a:r>
+            <a:r>
+              <a:rPr lang="de-DE" dirty="0"/>
+              <a:t> </a:t>
+            </a:r>
+            <a:r>
+              <a:rPr lang="de-DE" dirty="0" err="1"/>
+              <a:t>from</a:t>
+            </a:r>
+            <a:r>
+              <a:rPr lang="de-DE" dirty="0"/>
+              <a:t> BEGINNING </a:t>
+            </a:r>
+            <a:r>
+              <a:rPr lang="de-DE" dirty="0" err="1"/>
+              <a:t>and</a:t>
+            </a:r>
+            <a:r>
+              <a:rPr lang="de-DE" dirty="0"/>
+              <a:t> END </a:t>
+            </a:r>
+            <a:r>
+              <a:rPr lang="de-DE" dirty="0" err="1"/>
+              <a:t>of</a:t>
+            </a:r>
+            <a:r>
+              <a:rPr lang="de-DE" dirty="0"/>
+              <a:t> </a:t>
+            </a:r>
+            <a:r>
+              <a:rPr lang="de-DE" dirty="0" err="1"/>
+              <a:t>toy</a:t>
+            </a:r>
+            <a:r>
+              <a:rPr lang="de-DE" dirty="0"/>
+              <a:t> </a:t>
+            </a:r>
+            <a:r>
+              <a:rPr lang="de-DE" dirty="0" err="1"/>
+              <a:t>series</a:t>
             </a:r>
             <a:r>
               <a:rPr lang="de-DE" dirty="0"/>
